--- a/Shike/doc/2014-11-12-小版本升级-01.pptx
+++ b/Shike/doc/2014-11-12-小版本升级-01.pptx
@@ -5,14 +5,7 @@
     <p:sldMasterId id="2147483648" r:id="rId1"/>
   </p:sldMasterIdLst>
   <p:sldIdLst>
-    <p:sldId id="257" r:id="rId2"/>
-    <p:sldId id="260" r:id="rId3"/>
-    <p:sldId id="259" r:id="rId4"/>
-    <p:sldId id="278" r:id="rId5"/>
-    <p:sldId id="276" r:id="rId6"/>
-    <p:sldId id="262" r:id="rId7"/>
-    <p:sldId id="279" r:id="rId8"/>
-    <p:sldId id="277" r:id="rId9"/>
+    <p:sldId id="259" r:id="rId2"/>
   </p:sldIdLst>
   <p:sldSz cx="9144000" cy="6858000" type="screen4x3"/>
   <p:notesSz cx="6858000" cy="9144000"/>
@@ -296,7 +289,7 @@
             <a:fld id="{530820CF-B880-4189-942D-D702A7CBA730}" type="datetimeFigureOut">
               <a:rPr lang="zh-CN" altLang="en-US" smtClean="0"/>
               <a:pPr/>
-              <a:t>2014/11/12</a:t>
+              <a:t>2014-11-16</a:t>
             </a:fld>
             <a:endParaRPr lang="zh-CN" altLang="en-US"/>
           </a:p>
@@ -463,7 +456,7 @@
             <a:fld id="{530820CF-B880-4189-942D-D702A7CBA730}" type="datetimeFigureOut">
               <a:rPr lang="zh-CN" altLang="en-US" smtClean="0"/>
               <a:pPr/>
-              <a:t>2014/11/12</a:t>
+              <a:t>2014-11-16</a:t>
             </a:fld>
             <a:endParaRPr lang="zh-CN" altLang="en-US"/>
           </a:p>
@@ -640,7 +633,7 @@
             <a:fld id="{530820CF-B880-4189-942D-D702A7CBA730}" type="datetimeFigureOut">
               <a:rPr lang="zh-CN" altLang="en-US" smtClean="0"/>
               <a:pPr/>
-              <a:t>2014/11/12</a:t>
+              <a:t>2014-11-16</a:t>
             </a:fld>
             <a:endParaRPr lang="zh-CN" altLang="en-US"/>
           </a:p>
@@ -807,7 +800,7 @@
             <a:fld id="{530820CF-B880-4189-942D-D702A7CBA730}" type="datetimeFigureOut">
               <a:rPr lang="zh-CN" altLang="en-US" smtClean="0"/>
               <a:pPr/>
-              <a:t>2014/11/12</a:t>
+              <a:t>2014-11-16</a:t>
             </a:fld>
             <a:endParaRPr lang="zh-CN" altLang="en-US"/>
           </a:p>
@@ -1050,7 +1043,7 @@
             <a:fld id="{530820CF-B880-4189-942D-D702A7CBA730}" type="datetimeFigureOut">
               <a:rPr lang="zh-CN" altLang="en-US" smtClean="0"/>
               <a:pPr/>
-              <a:t>2014/11/12</a:t>
+              <a:t>2014-11-16</a:t>
             </a:fld>
             <a:endParaRPr lang="zh-CN" altLang="en-US"/>
           </a:p>
@@ -1335,7 +1328,7 @@
             <a:fld id="{530820CF-B880-4189-942D-D702A7CBA730}" type="datetimeFigureOut">
               <a:rPr lang="zh-CN" altLang="en-US" smtClean="0"/>
               <a:pPr/>
-              <a:t>2014/11/12</a:t>
+              <a:t>2014-11-16</a:t>
             </a:fld>
             <a:endParaRPr lang="zh-CN" altLang="en-US"/>
           </a:p>
@@ -1754,7 +1747,7 @@
             <a:fld id="{530820CF-B880-4189-942D-D702A7CBA730}" type="datetimeFigureOut">
               <a:rPr lang="zh-CN" altLang="en-US" smtClean="0"/>
               <a:pPr/>
-              <a:t>2014/11/12</a:t>
+              <a:t>2014-11-16</a:t>
             </a:fld>
             <a:endParaRPr lang="zh-CN" altLang="en-US"/>
           </a:p>
@@ -1869,7 +1862,7 @@
             <a:fld id="{530820CF-B880-4189-942D-D702A7CBA730}" type="datetimeFigureOut">
               <a:rPr lang="zh-CN" altLang="en-US" smtClean="0"/>
               <a:pPr/>
-              <a:t>2014/11/12</a:t>
+              <a:t>2014-11-16</a:t>
             </a:fld>
             <a:endParaRPr lang="zh-CN" altLang="en-US"/>
           </a:p>
@@ -1961,7 +1954,7 @@
             <a:fld id="{530820CF-B880-4189-942D-D702A7CBA730}" type="datetimeFigureOut">
               <a:rPr lang="zh-CN" altLang="en-US" smtClean="0"/>
               <a:pPr/>
-              <a:t>2014/11/12</a:t>
+              <a:t>2014-11-16</a:t>
             </a:fld>
             <a:endParaRPr lang="zh-CN" altLang="en-US"/>
           </a:p>
@@ -2235,7 +2228,7 @@
             <a:fld id="{530820CF-B880-4189-942D-D702A7CBA730}" type="datetimeFigureOut">
               <a:rPr lang="zh-CN" altLang="en-US" smtClean="0"/>
               <a:pPr/>
-              <a:t>2014/11/12</a:t>
+              <a:t>2014-11-16</a:t>
             </a:fld>
             <a:endParaRPr lang="zh-CN" altLang="en-US"/>
           </a:p>
@@ -2485,7 +2478,7 @@
             <a:fld id="{530820CF-B880-4189-942D-D702A7CBA730}" type="datetimeFigureOut">
               <a:rPr lang="zh-CN" altLang="en-US" smtClean="0"/>
               <a:pPr/>
-              <a:t>2014/11/12</a:t>
+              <a:t>2014-11-16</a:t>
             </a:fld>
             <a:endParaRPr lang="zh-CN" altLang="en-US"/>
           </a:p>
@@ -2695,7 +2688,7 @@
             <a:fld id="{530820CF-B880-4189-942D-D702A7CBA730}" type="datetimeFigureOut">
               <a:rPr lang="zh-CN" altLang="en-US" smtClean="0"/>
               <a:pPr/>
-              <a:t>2014/11/12</a:t>
+              <a:t>2014-11-16</a:t>
             </a:fld>
             <a:endParaRPr lang="zh-CN" altLang="en-US"/>
           </a:p>
@@ -3068,548 +3061,6 @@
       </p:grpSpPr>
       <p:pic>
         <p:nvPicPr>
-          <p:cNvPr id="2" name="Picture 2" descr="C:\Users\Administrator\Desktop\360手机助手截图1103_12_04_01.png"/>
-          <p:cNvPicPr>
-            <a:picLocks noChangeAspect="1" noChangeArrowheads="1"/>
-          </p:cNvPicPr>
-          <p:nvPr/>
-        </p:nvPicPr>
-        <p:blipFill>
-          <a:blip r:embed="rId2" cstate="print"/>
-          <a:srcRect/>
-          <a:stretch>
-            <a:fillRect/>
-          </a:stretch>
-        </p:blipFill>
-        <p:spPr bwMode="auto">
-          <a:xfrm>
-            <a:off x="2714612" y="1285860"/>
-            <a:ext cx="2430000" cy="4320000"/>
-          </a:xfrm>
-          <a:prstGeom prst="rect">
-            <a:avLst/>
-          </a:prstGeom>
-          <a:noFill/>
-        </p:spPr>
-      </p:pic>
-      <p:sp>
-        <p:nvSpPr>
-          <p:cNvPr id="3" name="矩形 2"/>
-          <p:cNvSpPr/>
-          <p:nvPr/>
-        </p:nvSpPr>
-        <p:spPr>
-          <a:xfrm>
-            <a:off x="857224" y="357166"/>
-            <a:ext cx="3595856" cy="307777"/>
-          </a:xfrm>
-          <a:prstGeom prst="rect">
-            <a:avLst/>
-          </a:prstGeom>
-        </p:spPr>
-        <p:txBody>
-          <a:bodyPr wrap="none">
-            <a:spAutoFit/>
-          </a:bodyPr>
-          <a:lstStyle/>
-          <a:p>
-            <a:r>
-              <a:rPr lang="zh-CN" altLang="en-US" sz="1400" dirty="0" smtClean="0">
-                <a:solidFill>
-                  <a:srgbClr val="FF0000"/>
-                </a:solidFill>
-              </a:rPr>
-              <a:t>未读新语音没有标识，请添加未读消息表示</a:t>
-            </a:r>
-            <a:endParaRPr lang="zh-CN" altLang="en-US" sz="1400" dirty="0">
-              <a:solidFill>
-                <a:srgbClr val="FF0000"/>
-              </a:solidFill>
-            </a:endParaRPr>
-          </a:p>
-        </p:txBody>
-      </p:sp>
-      <p:sp>
-        <p:nvSpPr>
-          <p:cNvPr id="4" name="椭圆 3"/>
-          <p:cNvSpPr/>
-          <p:nvPr/>
-        </p:nvSpPr>
-        <p:spPr>
-          <a:xfrm>
-            <a:off x="3214678" y="4357694"/>
-            <a:ext cx="71438" cy="71438"/>
-          </a:xfrm>
-          <a:prstGeom prst="ellipse">
-            <a:avLst/>
-          </a:prstGeom>
-          <a:solidFill>
-            <a:srgbClr val="FF0000"/>
-          </a:solidFill>
-          <a:ln>
-            <a:noFill/>
-          </a:ln>
-        </p:spPr>
-        <p:style>
-          <a:lnRef idx="2">
-            <a:schemeClr val="accent1">
-              <a:shade val="50000"/>
-            </a:schemeClr>
-          </a:lnRef>
-          <a:fillRef idx="1">
-            <a:schemeClr val="accent1"/>
-          </a:fillRef>
-          <a:effectRef idx="0">
-            <a:schemeClr val="accent1"/>
-          </a:effectRef>
-          <a:fontRef idx="minor">
-            <a:schemeClr val="lt1"/>
-          </a:fontRef>
-        </p:style>
-        <p:txBody>
-          <a:bodyPr rtlCol="0" anchor="ctr"/>
-          <a:lstStyle/>
-          <a:p>
-            <a:pPr algn="ctr"/>
-            <a:endParaRPr lang="zh-CN" altLang="en-US" sz="1400"/>
-          </a:p>
-        </p:txBody>
-      </p:sp>
-      <p:cxnSp>
-        <p:nvCxnSpPr>
-          <p:cNvPr id="5" name="直接箭头连接符 4"/>
-          <p:cNvCxnSpPr/>
-          <p:nvPr/>
-        </p:nvCxnSpPr>
-        <p:spPr>
-          <a:xfrm rot="16200000" flipH="1">
-            <a:off x="321439" y="1750207"/>
-            <a:ext cx="3571900" cy="1643074"/>
-          </a:xfrm>
-          <a:prstGeom prst="straightConnector1">
-            <a:avLst/>
-          </a:prstGeom>
-          <a:ln w="38100">
-            <a:solidFill>
-              <a:srgbClr val="FF0000"/>
-            </a:solidFill>
-            <a:tailEnd type="arrow"/>
-          </a:ln>
-        </p:spPr>
-        <p:style>
-          <a:lnRef idx="1">
-            <a:schemeClr val="accent1"/>
-          </a:lnRef>
-          <a:fillRef idx="0">
-            <a:schemeClr val="accent1"/>
-          </a:fillRef>
-          <a:effectRef idx="0">
-            <a:schemeClr val="accent1"/>
-          </a:effectRef>
-          <a:fontRef idx="minor">
-            <a:schemeClr val="tx1"/>
-          </a:fontRef>
-        </p:style>
-      </p:cxnSp>
-      <p:pic>
-        <p:nvPicPr>
-          <p:cNvPr id="6" name="Picture 2" descr="C:\Users\John\Pictures\QQ图片20141101143439.png"/>
-          <p:cNvPicPr>
-            <a:picLocks noChangeAspect="1" noChangeArrowheads="1"/>
-          </p:cNvPicPr>
-          <p:nvPr/>
-        </p:nvPicPr>
-        <p:blipFill>
-          <a:blip r:embed="rId3" cstate="print"/>
-          <a:srcRect/>
-          <a:stretch>
-            <a:fillRect/>
-          </a:stretch>
-        </p:blipFill>
-        <p:spPr bwMode="auto">
-          <a:xfrm>
-            <a:off x="214282" y="928670"/>
-            <a:ext cx="785818" cy="1137905"/>
-          </a:xfrm>
-          <a:prstGeom prst="rect">
-            <a:avLst/>
-          </a:prstGeom>
-          <a:noFill/>
-        </p:spPr>
-      </p:pic>
-      <p:sp>
-        <p:nvSpPr>
-          <p:cNvPr id="7" name="标题 6"/>
-          <p:cNvSpPr>
-            <a:spLocks noGrp="1"/>
-          </p:cNvSpPr>
-          <p:nvPr>
-            <p:ph type="title" idx="4294967295"/>
-          </p:nvPr>
-        </p:nvSpPr>
-        <p:spPr>
-          <a:xfrm>
-            <a:off x="5429256" y="3214686"/>
-            <a:ext cx="3471858" cy="1143000"/>
-          </a:xfrm>
-        </p:spPr>
-        <p:txBody>
-          <a:bodyPr/>
-          <a:lstStyle/>
-          <a:p>
-            <a:r>
-              <a:rPr lang="zh-CN" altLang="en-US" dirty="0" smtClean="0"/>
-              <a:t>下版本</a:t>
-            </a:r>
-            <a:endParaRPr lang="zh-CN" altLang="en-US" dirty="0"/>
-          </a:p>
-        </p:txBody>
-      </p:sp>
-      <p:sp>
-        <p:nvSpPr>
-          <p:cNvPr id="8" name="TextBox 7"/>
-          <p:cNvSpPr txBox="1"/>
-          <p:nvPr/>
-        </p:nvSpPr>
-        <p:spPr>
-          <a:xfrm>
-            <a:off x="3857620" y="785794"/>
-            <a:ext cx="4963218" cy="338554"/>
-          </a:xfrm>
-          <a:prstGeom prst="rect">
-            <a:avLst/>
-          </a:prstGeom>
-          <a:noFill/>
-        </p:spPr>
-        <p:txBody>
-          <a:bodyPr wrap="none" rtlCol="0">
-            <a:spAutoFit/>
-          </a:bodyPr>
-          <a:lstStyle/>
-          <a:p>
-            <a:r>
-              <a:rPr lang="en-US" altLang="zh-CN" sz="1600" dirty="0" smtClean="0"/>
-              <a:t>1.</a:t>
-            </a:r>
-            <a:r>
-              <a:rPr lang="zh-CN" altLang="en-US" sz="1600" dirty="0" smtClean="0"/>
-              <a:t>小版本升级，升级版本号为：</a:t>
-            </a:r>
-            <a:r>
-              <a:rPr lang="en-US" altLang="zh-CN" sz="1600" dirty="0" smtClean="0"/>
-              <a:t>2.0.1</a:t>
-            </a:r>
-            <a:r>
-              <a:rPr lang="zh-CN" altLang="en-US" sz="1600" dirty="0" smtClean="0"/>
-              <a:t>升级周期为</a:t>
-            </a:r>
-            <a:r>
-              <a:rPr lang="en-US" altLang="zh-CN" sz="1600" dirty="0" smtClean="0"/>
-              <a:t>2</a:t>
-            </a:r>
-            <a:r>
-              <a:rPr lang="zh-CN" altLang="en-US" sz="1600" dirty="0" smtClean="0"/>
-              <a:t>天。</a:t>
-            </a:r>
-            <a:endParaRPr lang="zh-CN" altLang="en-US" sz="1600" dirty="0"/>
-          </a:p>
-        </p:txBody>
-      </p:sp>
-    </p:spTree>
-  </p:cSld>
-  <p:clrMapOvr>
-    <a:masterClrMapping/>
-  </p:clrMapOvr>
-</p:sld>
-</file>
-
-<file path=ppt/slides/slide2.xml><?xml version="1.0" encoding="utf-8"?>
-<p:sld xmlns:a="http://schemas.openxmlformats.org/drawingml/2006/main" xmlns:r="http://schemas.openxmlformats.org/officeDocument/2006/relationships" xmlns:p="http://schemas.openxmlformats.org/presentationml/2006/main">
-  <p:cSld>
-    <p:spTree>
-      <p:nvGrpSpPr>
-        <p:cNvPr id="1" name=""/>
-        <p:cNvGrpSpPr/>
-        <p:nvPr/>
-      </p:nvGrpSpPr>
-      <p:grpSpPr>
-        <a:xfrm>
-          <a:off x="0" y="0"/>
-          <a:ext cx="0" cy="0"/>
-          <a:chOff x="0" y="0"/>
-          <a:chExt cx="0" cy="0"/>
-        </a:xfrm>
-      </p:grpSpPr>
-      <p:pic>
-        <p:nvPicPr>
-          <p:cNvPr id="2" name="Picture 2" descr="C:\Users\Administrator\Desktop\360手机助手截图1103_12_10_01.png"/>
-          <p:cNvPicPr>
-            <a:picLocks noChangeAspect="1" noChangeArrowheads="1"/>
-          </p:cNvPicPr>
-          <p:nvPr/>
-        </p:nvPicPr>
-        <p:blipFill>
-          <a:blip r:embed="rId2"/>
-          <a:srcRect/>
-          <a:stretch>
-            <a:fillRect/>
-          </a:stretch>
-        </p:blipFill>
-        <p:spPr bwMode="auto">
-          <a:xfrm>
-            <a:off x="3571868" y="2214554"/>
-            <a:ext cx="2430000" cy="4320000"/>
-          </a:xfrm>
-          <a:prstGeom prst="rect">
-            <a:avLst/>
-          </a:prstGeom>
-          <a:noFill/>
-        </p:spPr>
-      </p:pic>
-      <p:sp>
-        <p:nvSpPr>
-          <p:cNvPr id="3" name="矩形 2"/>
-          <p:cNvSpPr/>
-          <p:nvPr/>
-        </p:nvSpPr>
-        <p:spPr>
-          <a:xfrm>
-            <a:off x="500034" y="500042"/>
-            <a:ext cx="4572000" cy="369332"/>
-          </a:xfrm>
-          <a:prstGeom prst="rect">
-            <a:avLst/>
-          </a:prstGeom>
-        </p:spPr>
-        <p:txBody>
-          <a:bodyPr>
-            <a:spAutoFit/>
-          </a:bodyPr>
-          <a:lstStyle/>
-          <a:p>
-            <a:r>
-              <a:rPr lang="zh-CN" altLang="en-US" dirty="0" smtClean="0"/>
-              <a:t>送礼物和赞在选择前应该是动态的</a:t>
-            </a:r>
-            <a:endParaRPr lang="en-US" altLang="zh-CN" dirty="0" smtClean="0"/>
-          </a:p>
-        </p:txBody>
-      </p:sp>
-      <p:sp>
-        <p:nvSpPr>
-          <p:cNvPr id="4" name="矩形 3"/>
-          <p:cNvSpPr/>
-          <p:nvPr/>
-        </p:nvSpPr>
-        <p:spPr>
-          <a:xfrm>
-            <a:off x="3571868" y="2786058"/>
-            <a:ext cx="2286016" cy="3286148"/>
-          </a:xfrm>
-          <a:prstGeom prst="rect">
-            <a:avLst/>
-          </a:prstGeom>
-          <a:noFill/>
-          <a:ln>
-            <a:solidFill>
-              <a:srgbClr val="FF0000"/>
-            </a:solidFill>
-          </a:ln>
-        </p:spPr>
-        <p:style>
-          <a:lnRef idx="2">
-            <a:schemeClr val="accent1">
-              <a:shade val="50000"/>
-            </a:schemeClr>
-          </a:lnRef>
-          <a:fillRef idx="1">
-            <a:schemeClr val="accent1"/>
-          </a:fillRef>
-          <a:effectRef idx="0">
-            <a:schemeClr val="accent1"/>
-          </a:effectRef>
-          <a:fontRef idx="minor">
-            <a:schemeClr val="lt1"/>
-          </a:fontRef>
-        </p:style>
-        <p:txBody>
-          <a:bodyPr rtlCol="0" anchor="ctr"/>
-          <a:lstStyle/>
-          <a:p>
-            <a:pPr algn="ctr"/>
-            <a:endParaRPr lang="zh-CN" altLang="en-US"/>
-          </a:p>
-        </p:txBody>
-      </p:sp>
-      <p:cxnSp>
-        <p:nvCxnSpPr>
-          <p:cNvPr id="5" name="直接箭头连接符 4"/>
-          <p:cNvCxnSpPr/>
-          <p:nvPr/>
-        </p:nvCxnSpPr>
-        <p:spPr>
-          <a:xfrm rot="16200000" flipH="1">
-            <a:off x="2250264" y="1750205"/>
-            <a:ext cx="1643077" cy="857255"/>
-          </a:xfrm>
-          <a:prstGeom prst="straightConnector1">
-            <a:avLst/>
-          </a:prstGeom>
-          <a:ln>
-            <a:solidFill>
-              <a:srgbClr val="FF0000"/>
-            </a:solidFill>
-            <a:tailEnd type="arrow"/>
-          </a:ln>
-        </p:spPr>
-        <p:style>
-          <a:lnRef idx="1">
-            <a:schemeClr val="accent1"/>
-          </a:lnRef>
-          <a:fillRef idx="0">
-            <a:schemeClr val="accent1"/>
-          </a:fillRef>
-          <a:effectRef idx="0">
-            <a:schemeClr val="accent1"/>
-          </a:effectRef>
-          <a:fontRef idx="minor">
-            <a:schemeClr val="tx1"/>
-          </a:fontRef>
-        </p:style>
-      </p:cxnSp>
-      <p:sp>
-        <p:nvSpPr>
-          <p:cNvPr id="6" name="矩形 5"/>
-          <p:cNvSpPr/>
-          <p:nvPr/>
-        </p:nvSpPr>
-        <p:spPr>
-          <a:xfrm>
-            <a:off x="4286248" y="428604"/>
-            <a:ext cx="4572000" cy="923330"/>
-          </a:xfrm>
-          <a:prstGeom prst="rect">
-            <a:avLst/>
-          </a:prstGeom>
-        </p:spPr>
-        <p:txBody>
-          <a:bodyPr>
-            <a:spAutoFit/>
-          </a:bodyPr>
-          <a:lstStyle/>
-          <a:p>
-            <a:r>
-              <a:rPr lang="zh-CN" altLang="en-US" dirty="0" smtClean="0"/>
-              <a:t>方案设想：</a:t>
-            </a:r>
-            <a:endParaRPr lang="en-US" altLang="zh-CN" dirty="0" smtClean="0"/>
-          </a:p>
-          <a:p>
-            <a:r>
-              <a:rPr lang="zh-CN" altLang="en-US" dirty="0" smtClean="0"/>
-              <a:t>学生端进入送赞页面或送礼物页面，当进入时页面</a:t>
-            </a:r>
-            <a:r>
-              <a:rPr lang="en-US" altLang="zh-CN" dirty="0" smtClean="0"/>
-              <a:t>loading</a:t>
-            </a:r>
-            <a:r>
-              <a:rPr lang="zh-CN" altLang="en-US" dirty="0" smtClean="0"/>
-              <a:t>下载</a:t>
-            </a:r>
-            <a:r>
-              <a:rPr lang="en-US" altLang="zh-CN" dirty="0" smtClean="0"/>
-              <a:t>GIF</a:t>
-            </a:r>
-            <a:r>
-              <a:rPr lang="zh-CN" altLang="en-US" dirty="0" smtClean="0"/>
-              <a:t>图片存在本地。</a:t>
-            </a:r>
-            <a:endParaRPr lang="en-US" altLang="zh-CN" dirty="0" smtClean="0"/>
-          </a:p>
-        </p:txBody>
-      </p:sp>
-      <p:pic>
-        <p:nvPicPr>
-          <p:cNvPr id="8" name="Picture 2" descr="C:\Users\John\Pictures\QQ图片20141101143439.png"/>
-          <p:cNvPicPr>
-            <a:picLocks noChangeAspect="1" noChangeArrowheads="1"/>
-          </p:cNvPicPr>
-          <p:nvPr/>
-        </p:nvPicPr>
-        <p:blipFill>
-          <a:blip r:embed="rId3" cstate="print"/>
-          <a:srcRect/>
-          <a:stretch>
-            <a:fillRect/>
-          </a:stretch>
-        </p:blipFill>
-        <p:spPr bwMode="auto">
-          <a:xfrm>
-            <a:off x="285720" y="2643182"/>
-            <a:ext cx="785818" cy="1137905"/>
-          </a:xfrm>
-          <a:prstGeom prst="rect">
-            <a:avLst/>
-          </a:prstGeom>
-          <a:noFill/>
-        </p:spPr>
-      </p:pic>
-      <p:sp>
-        <p:nvSpPr>
-          <p:cNvPr id="7" name="标题 6"/>
-          <p:cNvSpPr>
-            <a:spLocks noGrp="1"/>
-          </p:cNvSpPr>
-          <p:nvPr>
-            <p:ph type="title" idx="4294967295"/>
-          </p:nvPr>
-        </p:nvSpPr>
-        <p:spPr>
-          <a:xfrm>
-            <a:off x="6357950" y="2928934"/>
-            <a:ext cx="2185974" cy="1143000"/>
-          </a:xfrm>
-        </p:spPr>
-        <p:txBody>
-          <a:bodyPr/>
-          <a:lstStyle/>
-          <a:p>
-            <a:r>
-              <a:rPr lang="zh-CN" altLang="en-US" dirty="0" smtClean="0"/>
-              <a:t>下版本</a:t>
-            </a:r>
-            <a:endParaRPr lang="zh-CN" altLang="en-US" dirty="0"/>
-          </a:p>
-        </p:txBody>
-      </p:sp>
-    </p:spTree>
-  </p:cSld>
-  <p:clrMapOvr>
-    <a:masterClrMapping/>
-  </p:clrMapOvr>
-</p:sld>
-</file>
-
-<file path=ppt/slides/slide3.xml><?xml version="1.0" encoding="utf-8"?>
-<p:sld xmlns:a="http://schemas.openxmlformats.org/drawingml/2006/main" xmlns:r="http://schemas.openxmlformats.org/officeDocument/2006/relationships" xmlns:p="http://schemas.openxmlformats.org/presentationml/2006/main">
-  <p:cSld>
-    <p:spTree>
-      <p:nvGrpSpPr>
-        <p:cNvPr id="1" name=""/>
-        <p:cNvGrpSpPr/>
-        <p:nvPr/>
-      </p:nvGrpSpPr>
-      <p:grpSpPr>
-        <a:xfrm>
-          <a:off x="0" y="0"/>
-          <a:ext cx="0" cy="0"/>
-          <a:chOff x="0" y="0"/>
-          <a:chExt cx="0" cy="0"/>
-        </a:xfrm>
-      </p:grpSpPr>
-      <p:pic>
-        <p:nvPicPr>
           <p:cNvPr id="2" name="Picture 2" descr="C:\Users\Administrator\Desktop\360手机助手截图1103_11_56_01.png"/>
           <p:cNvPicPr>
             <a:picLocks noChangeAspect="1" noChangeArrowheads="1"/>
@@ -3829,1313 +3280,6 @@
           </a:p>
         </p:txBody>
       </p:sp>
-    </p:spTree>
-  </p:cSld>
-  <p:clrMapOvr>
-    <a:masterClrMapping/>
-  </p:clrMapOvr>
-</p:sld>
-</file>
-
-<file path=ppt/slides/slide4.xml><?xml version="1.0" encoding="utf-8"?>
-<p:sld xmlns:a="http://schemas.openxmlformats.org/drawingml/2006/main" xmlns:r="http://schemas.openxmlformats.org/officeDocument/2006/relationships" xmlns:p="http://schemas.openxmlformats.org/presentationml/2006/main">
-  <p:cSld>
-    <p:spTree>
-      <p:nvGrpSpPr>
-        <p:cNvPr id="1" name=""/>
-        <p:cNvGrpSpPr/>
-        <p:nvPr/>
-      </p:nvGrpSpPr>
-      <p:grpSpPr>
-        <a:xfrm>
-          <a:off x="0" y="0"/>
-          <a:ext cx="0" cy="0"/>
-          <a:chOff x="0" y="0"/>
-          <a:chExt cx="0" cy="0"/>
-        </a:xfrm>
-      </p:grpSpPr>
-      <p:pic>
-        <p:nvPicPr>
-          <p:cNvPr id="2" name="Picture 3" descr="C:\Users\Administrator\Desktop\360手机助手截图1103_12_18_01.png"/>
-          <p:cNvPicPr>
-            <a:picLocks noChangeAspect="1" noChangeArrowheads="1"/>
-          </p:cNvPicPr>
-          <p:nvPr/>
-        </p:nvPicPr>
-        <p:blipFill>
-          <a:blip r:embed="rId2" cstate="print"/>
-          <a:srcRect/>
-          <a:stretch>
-            <a:fillRect/>
-          </a:stretch>
-        </p:blipFill>
-        <p:spPr bwMode="auto">
-          <a:xfrm>
-            <a:off x="928662" y="1785926"/>
-            <a:ext cx="2430000" cy="4320000"/>
-          </a:xfrm>
-          <a:prstGeom prst="rect">
-            <a:avLst/>
-          </a:prstGeom>
-          <a:noFill/>
-        </p:spPr>
-      </p:pic>
-      <p:sp>
-        <p:nvSpPr>
-          <p:cNvPr id="3" name="矩形 2"/>
-          <p:cNvSpPr/>
-          <p:nvPr/>
-        </p:nvSpPr>
-        <p:spPr>
-          <a:xfrm>
-            <a:off x="428596" y="714356"/>
-            <a:ext cx="8443337" cy="307777"/>
-          </a:xfrm>
-          <a:prstGeom prst="rect">
-            <a:avLst/>
-          </a:prstGeom>
-        </p:spPr>
-        <p:txBody>
-          <a:bodyPr wrap="none">
-            <a:spAutoFit/>
-          </a:bodyPr>
-          <a:lstStyle/>
-          <a:p>
-            <a:r>
-              <a:rPr lang="zh-CN" altLang="en-US" sz="1400" dirty="0" smtClean="0">
-                <a:solidFill>
-                  <a:srgbClr val="FF0000"/>
-                </a:solidFill>
-              </a:rPr>
-              <a:t>当用户未看里面的消息；</a:t>
-            </a:r>
-            <a:r>
-              <a:rPr lang="zh-CN" altLang="en-US" sz="1400" dirty="0" smtClean="0">
-                <a:solidFill>
-                  <a:srgbClr val="0070C0"/>
-                </a:solidFill>
-              </a:rPr>
-              <a:t>首页右上方的小点应该不会消失，只有用户把消息列表的内容都看完，才会消失</a:t>
-            </a:r>
-            <a:endParaRPr lang="zh-CN" altLang="en-US" sz="1400" dirty="0">
-              <a:solidFill>
-                <a:srgbClr val="0070C0"/>
-              </a:solidFill>
-            </a:endParaRPr>
-          </a:p>
-        </p:txBody>
-      </p:sp>
-      <p:cxnSp>
-        <p:nvCxnSpPr>
-          <p:cNvPr id="5" name="直接箭头连接符 4"/>
-          <p:cNvCxnSpPr/>
-          <p:nvPr/>
-        </p:nvCxnSpPr>
-        <p:spPr>
-          <a:xfrm rot="5400000">
-            <a:off x="750067" y="1535893"/>
-            <a:ext cx="1357322" cy="285752"/>
-          </a:xfrm>
-          <a:prstGeom prst="straightConnector1">
-            <a:avLst/>
-          </a:prstGeom>
-          <a:ln>
-            <a:solidFill>
-              <a:srgbClr val="FF0000"/>
-            </a:solidFill>
-            <a:tailEnd type="arrow"/>
-          </a:ln>
-        </p:spPr>
-        <p:style>
-          <a:lnRef idx="1">
-            <a:schemeClr val="accent1"/>
-          </a:lnRef>
-          <a:fillRef idx="0">
-            <a:schemeClr val="accent1"/>
-          </a:fillRef>
-          <a:effectRef idx="0">
-            <a:schemeClr val="accent1"/>
-          </a:effectRef>
-          <a:fontRef idx="minor">
-            <a:schemeClr val="tx1"/>
-          </a:fontRef>
-        </p:style>
-      </p:cxnSp>
-      <p:pic>
-        <p:nvPicPr>
-          <p:cNvPr id="6" name="Picture 4" descr="C:\Users\Administrator\Desktop\360手机助手截图1103_12_19_01.png"/>
-          <p:cNvPicPr>
-            <a:picLocks noChangeAspect="1" noChangeArrowheads="1"/>
-          </p:cNvPicPr>
-          <p:nvPr/>
-        </p:nvPicPr>
-        <p:blipFill>
-          <a:blip r:embed="rId3" cstate="print"/>
-          <a:srcRect/>
-          <a:stretch>
-            <a:fillRect/>
-          </a:stretch>
-        </p:blipFill>
-        <p:spPr bwMode="auto">
-          <a:xfrm>
-            <a:off x="3857620" y="2071678"/>
-            <a:ext cx="2430000" cy="4320000"/>
-          </a:xfrm>
-          <a:prstGeom prst="rect">
-            <a:avLst/>
-          </a:prstGeom>
-          <a:noFill/>
-        </p:spPr>
-      </p:pic>
-      <p:cxnSp>
-        <p:nvCxnSpPr>
-          <p:cNvPr id="8" name="直接箭头连接符 7"/>
-          <p:cNvCxnSpPr>
-            <a:stCxn id="3" idx="2"/>
-          </p:cNvCxnSpPr>
-          <p:nvPr/>
-        </p:nvCxnSpPr>
-        <p:spPr>
-          <a:xfrm rot="16200000" flipH="1">
-            <a:off x="4407831" y="1264566"/>
-            <a:ext cx="835231" cy="350363"/>
-          </a:xfrm>
-          <a:prstGeom prst="straightConnector1">
-            <a:avLst/>
-          </a:prstGeom>
-          <a:ln>
-            <a:solidFill>
-              <a:srgbClr val="FF0000"/>
-            </a:solidFill>
-            <a:tailEnd type="arrow"/>
-          </a:ln>
-        </p:spPr>
-        <p:style>
-          <a:lnRef idx="1">
-            <a:schemeClr val="accent1"/>
-          </a:lnRef>
-          <a:fillRef idx="0">
-            <a:schemeClr val="accent1"/>
-          </a:fillRef>
-          <a:effectRef idx="0">
-            <a:schemeClr val="accent1"/>
-          </a:effectRef>
-          <a:fontRef idx="minor">
-            <a:schemeClr val="tx1"/>
-          </a:fontRef>
-        </p:style>
-      </p:cxnSp>
-      <p:sp>
-        <p:nvSpPr>
-          <p:cNvPr id="9" name="标题 4"/>
-          <p:cNvSpPr txBox="1">
-            <a:spLocks/>
-          </p:cNvSpPr>
-          <p:nvPr/>
-        </p:nvSpPr>
-        <p:spPr>
-          <a:xfrm>
-            <a:off x="6500826" y="2500306"/>
-            <a:ext cx="2643174" cy="1143000"/>
-          </a:xfrm>
-          <a:prstGeom prst="rect">
-            <a:avLst/>
-          </a:prstGeom>
-        </p:spPr>
-        <p:txBody>
-          <a:bodyPr vert="horz" lIns="91440" tIns="45720" rIns="91440" bIns="45720" rtlCol="0" anchor="ctr">
-            <a:normAutofit/>
-          </a:bodyPr>
-          <a:lstStyle/>
-          <a:p>
-            <a:pPr marL="0" marR="0" lvl="0" indent="0" algn="ctr" defTabSz="914400" rtl="0" eaLnBrk="1" fontAlgn="auto" latinLnBrk="0" hangingPunct="1">
-              <a:lnSpc>
-                <a:spcPct val="100000"/>
-              </a:lnSpc>
-              <a:spcBef>
-                <a:spcPct val="0"/>
-              </a:spcBef>
-              <a:spcAft>
-                <a:spcPts val="0"/>
-              </a:spcAft>
-              <a:buClrTx/>
-              <a:buSzTx/>
-              <a:buFontTx/>
-              <a:buNone/>
-              <a:tabLst/>
-              <a:defRPr/>
-            </a:pPr>
-            <a:r>
-              <a:rPr kumimoji="0" lang="zh-CN" altLang="en-US" sz="4400" b="0" i="0" u="none" strike="noStrike" kern="1200" cap="none" spc="0" normalizeH="0" baseline="0" noProof="0" dirty="0" smtClean="0">
-                <a:ln>
-                  <a:noFill/>
-                </a:ln>
-                <a:solidFill>
-                  <a:schemeClr val="tx1"/>
-                </a:solidFill>
-                <a:effectLst/>
-                <a:uLnTx/>
-                <a:uFillTx/>
-                <a:latin typeface="+mj-lt"/>
-                <a:ea typeface="+mj-ea"/>
-                <a:cs typeface="+mj-cs"/>
-              </a:rPr>
-              <a:t>下下版本</a:t>
-            </a:r>
-            <a:endParaRPr kumimoji="0" lang="zh-CN" altLang="en-US" sz="4400" b="0" i="0" u="none" strike="noStrike" kern="1200" cap="none" spc="0" normalizeH="0" baseline="0" noProof="0" dirty="0">
-              <a:ln>
-                <a:noFill/>
-              </a:ln>
-              <a:solidFill>
-                <a:schemeClr val="tx1"/>
-              </a:solidFill>
-              <a:effectLst/>
-              <a:uLnTx/>
-              <a:uFillTx/>
-              <a:latin typeface="+mj-lt"/>
-              <a:ea typeface="+mj-ea"/>
-              <a:cs typeface="+mj-cs"/>
-            </a:endParaRPr>
-          </a:p>
-        </p:txBody>
-      </p:sp>
-    </p:spTree>
-  </p:cSld>
-  <p:clrMapOvr>
-    <a:masterClrMapping/>
-  </p:clrMapOvr>
-</p:sld>
-</file>
-
-<file path=ppt/slides/slide5.xml><?xml version="1.0" encoding="utf-8"?>
-<p:sld xmlns:a="http://schemas.openxmlformats.org/drawingml/2006/main" xmlns:r="http://schemas.openxmlformats.org/officeDocument/2006/relationships" xmlns:p="http://schemas.openxmlformats.org/presentationml/2006/main">
-  <p:cSld>
-    <p:spTree>
-      <p:nvGrpSpPr>
-        <p:cNvPr id="1" name=""/>
-        <p:cNvGrpSpPr/>
-        <p:nvPr/>
-      </p:nvGrpSpPr>
-      <p:grpSpPr>
-        <a:xfrm>
-          <a:off x="0" y="0"/>
-          <a:ext cx="0" cy="0"/>
-          <a:chOff x="0" y="0"/>
-          <a:chExt cx="0" cy="0"/>
-        </a:xfrm>
-      </p:grpSpPr>
-      <p:pic>
-        <p:nvPicPr>
-          <p:cNvPr id="15362" name="Picture 2" descr="C:\Users\Administrator\Desktop\360手机助手截图1105_13_28_01.png"/>
-          <p:cNvPicPr>
-            <a:picLocks noChangeAspect="1" noChangeArrowheads="1"/>
-          </p:cNvPicPr>
-          <p:nvPr/>
-        </p:nvPicPr>
-        <p:blipFill>
-          <a:blip r:embed="rId2" cstate="print"/>
-          <a:srcRect/>
-          <a:stretch>
-            <a:fillRect/>
-          </a:stretch>
-        </p:blipFill>
-        <p:spPr bwMode="auto">
-          <a:xfrm>
-            <a:off x="3000364" y="1785926"/>
-            <a:ext cx="2430000" cy="4320000"/>
-          </a:xfrm>
-          <a:prstGeom prst="rect">
-            <a:avLst/>
-          </a:prstGeom>
-          <a:noFill/>
-        </p:spPr>
-      </p:pic>
-      <p:sp>
-        <p:nvSpPr>
-          <p:cNvPr id="3" name="TextBox 2"/>
-          <p:cNvSpPr txBox="1"/>
-          <p:nvPr/>
-        </p:nvSpPr>
-        <p:spPr>
-          <a:xfrm>
-            <a:off x="500034" y="428604"/>
-            <a:ext cx="7725192" cy="307777"/>
-          </a:xfrm>
-          <a:prstGeom prst="rect">
-            <a:avLst/>
-          </a:prstGeom>
-          <a:noFill/>
-        </p:spPr>
-        <p:txBody>
-          <a:bodyPr wrap="none" rtlCol="0">
-            <a:spAutoFit/>
-          </a:bodyPr>
-          <a:lstStyle/>
-          <a:p>
-            <a:r>
-              <a:rPr lang="zh-CN" altLang="en-US" sz="1400" dirty="0" smtClean="0">
-                <a:solidFill>
-                  <a:srgbClr val="0070C0"/>
-                </a:solidFill>
-              </a:rPr>
-              <a:t>老师端：老师进入题板界面，学生已在这时候撤销题目，老师端应提示“</a:t>
-            </a:r>
-            <a:r>
-              <a:rPr lang="zh-CN" altLang="en-US" sz="1400" dirty="0" smtClean="0">
-                <a:solidFill>
-                  <a:srgbClr val="FF0000"/>
-                </a:solidFill>
-              </a:rPr>
-              <a:t>该题目已被学生撤销</a:t>
-            </a:r>
-            <a:r>
-              <a:rPr lang="zh-CN" altLang="en-US" sz="1400" dirty="0" smtClean="0">
-                <a:solidFill>
-                  <a:srgbClr val="0070C0"/>
-                </a:solidFill>
-              </a:rPr>
-              <a:t>”</a:t>
-            </a:r>
-            <a:endParaRPr lang="en-US" altLang="zh-CN" sz="1400" dirty="0" smtClean="0">
-              <a:solidFill>
-                <a:srgbClr val="0070C0"/>
-              </a:solidFill>
-            </a:endParaRPr>
-          </a:p>
-        </p:txBody>
-      </p:sp>
-      <p:cxnSp>
-        <p:nvCxnSpPr>
-          <p:cNvPr id="5" name="直接箭头连接符 4"/>
-          <p:cNvCxnSpPr/>
-          <p:nvPr/>
-        </p:nvCxnSpPr>
-        <p:spPr>
-          <a:xfrm rot="16200000" flipH="1">
-            <a:off x="1750199" y="2750339"/>
-            <a:ext cx="4143404" cy="642942"/>
-          </a:xfrm>
-          <a:prstGeom prst="straightConnector1">
-            <a:avLst/>
-          </a:prstGeom>
-          <a:ln>
-            <a:solidFill>
-              <a:srgbClr val="FF0000"/>
-            </a:solidFill>
-            <a:tailEnd type="arrow"/>
-          </a:ln>
-        </p:spPr>
-        <p:style>
-          <a:lnRef idx="1">
-            <a:schemeClr val="accent1"/>
-          </a:lnRef>
-          <a:fillRef idx="0">
-            <a:schemeClr val="accent1"/>
-          </a:fillRef>
-          <a:effectRef idx="0">
-            <a:schemeClr val="accent1"/>
-          </a:effectRef>
-          <a:fontRef idx="minor">
-            <a:schemeClr val="tx1"/>
-          </a:fontRef>
-        </p:style>
-      </p:cxnSp>
-      <p:sp>
-        <p:nvSpPr>
-          <p:cNvPr id="6" name="圆角矩形 5"/>
-          <p:cNvSpPr/>
-          <p:nvPr/>
-        </p:nvSpPr>
-        <p:spPr>
-          <a:xfrm>
-            <a:off x="3714744" y="5286388"/>
-            <a:ext cx="1214446" cy="428628"/>
-          </a:xfrm>
-          <a:prstGeom prst="roundRect">
-            <a:avLst/>
-          </a:prstGeom>
-          <a:noFill/>
-          <a:ln>
-            <a:solidFill>
-              <a:srgbClr val="FF0000"/>
-            </a:solidFill>
-          </a:ln>
-        </p:spPr>
-        <p:style>
-          <a:lnRef idx="2">
-            <a:schemeClr val="accent1">
-              <a:shade val="50000"/>
-            </a:schemeClr>
-          </a:lnRef>
-          <a:fillRef idx="1">
-            <a:schemeClr val="accent1"/>
-          </a:fillRef>
-          <a:effectRef idx="0">
-            <a:schemeClr val="accent1"/>
-          </a:effectRef>
-          <a:fontRef idx="minor">
-            <a:schemeClr val="lt1"/>
-          </a:fontRef>
-        </p:style>
-        <p:txBody>
-          <a:bodyPr rtlCol="0" anchor="ctr"/>
-          <a:lstStyle/>
-          <a:p>
-            <a:pPr algn="ctr"/>
-            <a:endParaRPr lang="zh-CN" altLang="en-US"/>
-          </a:p>
-        </p:txBody>
-      </p:sp>
-      <p:pic>
-        <p:nvPicPr>
-          <p:cNvPr id="7" name="Picture 2" descr="C:\Users\John\Pictures\QQ图片20141101143439.png"/>
-          <p:cNvPicPr>
-            <a:picLocks noChangeAspect="1" noChangeArrowheads="1"/>
-          </p:cNvPicPr>
-          <p:nvPr/>
-        </p:nvPicPr>
-        <p:blipFill>
-          <a:blip r:embed="rId3" cstate="print"/>
-          <a:srcRect/>
-          <a:stretch>
-            <a:fillRect/>
-          </a:stretch>
-        </p:blipFill>
-        <p:spPr bwMode="auto">
-          <a:xfrm>
-            <a:off x="285720" y="2643182"/>
-            <a:ext cx="785818" cy="1137905"/>
-          </a:xfrm>
-          <a:prstGeom prst="rect">
-            <a:avLst/>
-          </a:prstGeom>
-          <a:noFill/>
-        </p:spPr>
-      </p:pic>
-    </p:spTree>
-  </p:cSld>
-  <p:clrMapOvr>
-    <a:masterClrMapping/>
-  </p:clrMapOvr>
-</p:sld>
-</file>
-
-<file path=ppt/slides/slide6.xml><?xml version="1.0" encoding="utf-8"?>
-<p:sld xmlns:a="http://schemas.openxmlformats.org/drawingml/2006/main" xmlns:r="http://schemas.openxmlformats.org/officeDocument/2006/relationships" xmlns:p="http://schemas.openxmlformats.org/presentationml/2006/main">
-  <p:cSld>
-    <p:spTree>
-      <p:nvGrpSpPr>
-        <p:cNvPr id="1" name=""/>
-        <p:cNvGrpSpPr/>
-        <p:nvPr/>
-      </p:nvGrpSpPr>
-      <p:grpSpPr>
-        <a:xfrm>
-          <a:off x="0" y="0"/>
-          <a:ext cx="0" cy="0"/>
-          <a:chOff x="0" y="0"/>
-          <a:chExt cx="0" cy="0"/>
-        </a:xfrm>
-      </p:grpSpPr>
-      <p:pic>
-        <p:nvPicPr>
-          <p:cNvPr id="2050" name="Picture 2" descr="C:\Users\Administrator\Desktop\360手机助手截图1105_10_12_01.png"/>
-          <p:cNvPicPr>
-            <a:picLocks noChangeAspect="1" noChangeArrowheads="1"/>
-          </p:cNvPicPr>
-          <p:nvPr/>
-        </p:nvPicPr>
-        <p:blipFill>
-          <a:blip r:embed="rId2" cstate="print"/>
-          <a:srcRect/>
-          <a:stretch>
-            <a:fillRect/>
-          </a:stretch>
-        </p:blipFill>
-        <p:spPr bwMode="auto">
-          <a:xfrm>
-            <a:off x="500034" y="1357298"/>
-            <a:ext cx="2430000" cy="4320000"/>
-          </a:xfrm>
-          <a:prstGeom prst="rect">
-            <a:avLst/>
-          </a:prstGeom>
-          <a:noFill/>
-        </p:spPr>
-      </p:pic>
-      <p:sp>
-        <p:nvSpPr>
-          <p:cNvPr id="3" name="TextBox 2"/>
-          <p:cNvSpPr txBox="1"/>
-          <p:nvPr/>
-        </p:nvSpPr>
-        <p:spPr>
-          <a:xfrm>
-            <a:off x="214282" y="285728"/>
-            <a:ext cx="4314001" cy="307777"/>
-          </a:xfrm>
-          <a:prstGeom prst="rect">
-            <a:avLst/>
-          </a:prstGeom>
-          <a:noFill/>
-        </p:spPr>
-        <p:txBody>
-          <a:bodyPr wrap="none" rtlCol="0">
-            <a:spAutoFit/>
-          </a:bodyPr>
-          <a:lstStyle/>
-          <a:p>
-            <a:r>
-              <a:rPr lang="zh-CN" altLang="en-US" sz="1400" dirty="0" smtClean="0">
-                <a:solidFill>
-                  <a:srgbClr val="0070C0"/>
-                </a:solidFill>
-              </a:rPr>
-              <a:t>请美术从新设计我的老师在线离线的 字样或“标识”</a:t>
-            </a:r>
-            <a:endParaRPr lang="en-US" altLang="zh-CN" sz="1400" dirty="0" smtClean="0">
-              <a:solidFill>
-                <a:srgbClr val="0070C0"/>
-              </a:solidFill>
-            </a:endParaRPr>
-          </a:p>
-        </p:txBody>
-      </p:sp>
-      <p:cxnSp>
-        <p:nvCxnSpPr>
-          <p:cNvPr id="5" name="直接箭头连接符 4"/>
-          <p:cNvCxnSpPr/>
-          <p:nvPr/>
-        </p:nvCxnSpPr>
-        <p:spPr>
-          <a:xfrm rot="5400000">
-            <a:off x="1214414" y="1000108"/>
-            <a:ext cx="1071570" cy="214314"/>
-          </a:xfrm>
-          <a:prstGeom prst="straightConnector1">
-            <a:avLst/>
-          </a:prstGeom>
-          <a:ln>
-            <a:solidFill>
-              <a:srgbClr val="FF0000"/>
-            </a:solidFill>
-            <a:tailEnd type="arrow"/>
-          </a:ln>
-        </p:spPr>
-        <p:style>
-          <a:lnRef idx="1">
-            <a:schemeClr val="accent1"/>
-          </a:lnRef>
-          <a:fillRef idx="0">
-            <a:schemeClr val="accent1"/>
-          </a:fillRef>
-          <a:effectRef idx="0">
-            <a:schemeClr val="accent1"/>
-          </a:effectRef>
-          <a:fontRef idx="minor">
-            <a:schemeClr val="tx1"/>
-          </a:fontRef>
-        </p:style>
-      </p:cxnSp>
-      <p:pic>
-        <p:nvPicPr>
-          <p:cNvPr id="8" name="Picture 2" descr="C:\Users\John\Pictures\QQ图片20141101143439.png"/>
-          <p:cNvPicPr>
-            <a:picLocks noChangeAspect="1" noChangeArrowheads="1"/>
-          </p:cNvPicPr>
-          <p:nvPr/>
-        </p:nvPicPr>
-        <p:blipFill>
-          <a:blip r:embed="rId3" cstate="print"/>
-          <a:srcRect/>
-          <a:stretch>
-            <a:fillRect/>
-          </a:stretch>
-        </p:blipFill>
-        <p:spPr bwMode="auto">
-          <a:xfrm>
-            <a:off x="3071802" y="1142984"/>
-            <a:ext cx="785818" cy="1137905"/>
-          </a:xfrm>
-          <a:prstGeom prst="rect">
-            <a:avLst/>
-          </a:prstGeom>
-          <a:noFill/>
-        </p:spPr>
-      </p:pic>
-      <p:pic>
-        <p:nvPicPr>
-          <p:cNvPr id="9" name="Picture 2" descr="C:\Users\John\Pictures\QQ图片20141101143439.png"/>
-          <p:cNvPicPr>
-            <a:picLocks noChangeAspect="1" noChangeArrowheads="1"/>
-          </p:cNvPicPr>
-          <p:nvPr/>
-        </p:nvPicPr>
-        <p:blipFill>
-          <a:blip r:embed="rId4" cstate="print"/>
-          <a:srcRect/>
-          <a:stretch>
-            <a:fillRect/>
-          </a:stretch>
-        </p:blipFill>
-        <p:spPr bwMode="auto">
-          <a:xfrm flipH="1">
-            <a:off x="3214678" y="642918"/>
-            <a:ext cx="285752" cy="413784"/>
-          </a:xfrm>
-          <a:prstGeom prst="rect">
-            <a:avLst/>
-          </a:prstGeom>
-          <a:noFill/>
-        </p:spPr>
-      </p:pic>
-      <p:pic>
-        <p:nvPicPr>
-          <p:cNvPr id="10" name="Picture 2" descr="C:\Users\John\Pictures\QQ图片20141101143439.png"/>
-          <p:cNvPicPr>
-            <a:picLocks noChangeAspect="1" noChangeArrowheads="1"/>
-          </p:cNvPicPr>
-          <p:nvPr/>
-        </p:nvPicPr>
-        <p:blipFill>
-          <a:blip r:embed="rId4" cstate="print"/>
-          <a:srcRect/>
-          <a:stretch>
-            <a:fillRect/>
-          </a:stretch>
-        </p:blipFill>
-        <p:spPr bwMode="auto">
-          <a:xfrm flipH="1">
-            <a:off x="3643306" y="571480"/>
-            <a:ext cx="285752" cy="413784"/>
-          </a:xfrm>
-          <a:prstGeom prst="rect">
-            <a:avLst/>
-          </a:prstGeom>
-          <a:noFill/>
-        </p:spPr>
-      </p:pic>
-      <p:pic>
-        <p:nvPicPr>
-          <p:cNvPr id="4" name="Picture 2" descr="C:\Users\Administrator\Desktop\360手机助手截图1112_10_36_01.png"/>
-          <p:cNvPicPr>
-            <a:picLocks noChangeAspect="1" noChangeArrowheads="1"/>
-          </p:cNvPicPr>
-          <p:nvPr/>
-        </p:nvPicPr>
-        <p:blipFill>
-          <a:blip r:embed="rId5"/>
-          <a:srcRect/>
-          <a:stretch>
-            <a:fillRect/>
-          </a:stretch>
-        </p:blipFill>
-        <p:spPr bwMode="auto">
-          <a:xfrm>
-            <a:off x="5429256" y="1857364"/>
-            <a:ext cx="2430000" cy="4320000"/>
-          </a:xfrm>
-          <a:prstGeom prst="rect">
-            <a:avLst/>
-          </a:prstGeom>
-          <a:noFill/>
-        </p:spPr>
-      </p:pic>
-      <p:sp>
-        <p:nvSpPr>
-          <p:cNvPr id="12" name="矩形 11"/>
-          <p:cNvSpPr/>
-          <p:nvPr/>
-        </p:nvSpPr>
-        <p:spPr>
-          <a:xfrm>
-            <a:off x="6215074" y="2071678"/>
-            <a:ext cx="857256" cy="285752"/>
-          </a:xfrm>
-          <a:prstGeom prst="rect">
-            <a:avLst/>
-          </a:prstGeom>
-          <a:solidFill>
-            <a:schemeClr val="bg2"/>
-          </a:solidFill>
-          <a:ln>
-            <a:noFill/>
-          </a:ln>
-        </p:spPr>
-        <p:style>
-          <a:lnRef idx="2">
-            <a:schemeClr val="accent1">
-              <a:shade val="50000"/>
-            </a:schemeClr>
-          </a:lnRef>
-          <a:fillRef idx="1">
-            <a:schemeClr val="accent1"/>
-          </a:fillRef>
-          <a:effectRef idx="0">
-            <a:schemeClr val="accent1"/>
-          </a:effectRef>
-          <a:fontRef idx="minor">
-            <a:schemeClr val="lt1"/>
-          </a:fontRef>
-        </p:style>
-        <p:txBody>
-          <a:bodyPr rtlCol="0" anchor="ctr"/>
-          <a:lstStyle/>
-          <a:p>
-            <a:pPr algn="ctr"/>
-            <a:r>
-              <a:rPr lang="zh-CN" altLang="en-US" sz="1200" b="1" dirty="0" smtClean="0">
-                <a:solidFill>
-                  <a:schemeClr val="tx1"/>
-                </a:solidFill>
-              </a:rPr>
-              <a:t>我的老师</a:t>
-            </a:r>
-            <a:endParaRPr lang="zh-CN" altLang="en-US" sz="1200" b="1" dirty="0">
-              <a:solidFill>
-                <a:schemeClr val="tx1"/>
-              </a:solidFill>
-            </a:endParaRPr>
-          </a:p>
-        </p:txBody>
-      </p:sp>
-      <p:sp>
-        <p:nvSpPr>
-          <p:cNvPr id="13" name="矩形 12"/>
-          <p:cNvSpPr/>
-          <p:nvPr/>
-        </p:nvSpPr>
-        <p:spPr>
-          <a:xfrm>
-            <a:off x="5500694" y="2428868"/>
-            <a:ext cx="2357454" cy="285752"/>
-          </a:xfrm>
-          <a:prstGeom prst="rect">
-            <a:avLst/>
-          </a:prstGeom>
-          <a:solidFill>
-            <a:schemeClr val="bg1">
-              <a:lumMod val="95000"/>
-            </a:schemeClr>
-          </a:solidFill>
-          <a:ln>
-            <a:noFill/>
-          </a:ln>
-        </p:spPr>
-        <p:style>
-          <a:lnRef idx="2">
-            <a:schemeClr val="accent1">
-              <a:shade val="50000"/>
-            </a:schemeClr>
-          </a:lnRef>
-          <a:fillRef idx="1">
-            <a:schemeClr val="accent1"/>
-          </a:fillRef>
-          <a:effectRef idx="0">
-            <a:schemeClr val="accent1"/>
-          </a:effectRef>
-          <a:fontRef idx="minor">
-            <a:schemeClr val="lt1"/>
-          </a:fontRef>
-        </p:style>
-        <p:txBody>
-          <a:bodyPr rtlCol="0" anchor="ctr"/>
-          <a:lstStyle/>
-          <a:p>
-            <a:pPr algn="ctr"/>
-            <a:endParaRPr lang="zh-CN" altLang="en-US"/>
-          </a:p>
-        </p:txBody>
-      </p:sp>
-      <p:cxnSp>
-        <p:nvCxnSpPr>
-          <p:cNvPr id="15" name="直接箭头连接符 14"/>
-          <p:cNvCxnSpPr/>
-          <p:nvPr/>
-        </p:nvCxnSpPr>
-        <p:spPr>
-          <a:xfrm rot="16200000" flipH="1">
-            <a:off x="5429256" y="2143116"/>
-            <a:ext cx="1071570" cy="71438"/>
-          </a:xfrm>
-          <a:prstGeom prst="straightConnector1">
-            <a:avLst/>
-          </a:prstGeom>
-          <a:ln w="38100">
-            <a:solidFill>
-              <a:srgbClr val="FF0000"/>
-            </a:solidFill>
-            <a:tailEnd type="arrow"/>
-          </a:ln>
-        </p:spPr>
-        <p:style>
-          <a:lnRef idx="1">
-            <a:schemeClr val="accent1"/>
-          </a:lnRef>
-          <a:fillRef idx="0">
-            <a:schemeClr val="accent1"/>
-          </a:fillRef>
-          <a:effectRef idx="0">
-            <a:schemeClr val="accent1"/>
-          </a:effectRef>
-          <a:fontRef idx="minor">
-            <a:schemeClr val="tx1"/>
-          </a:fontRef>
-        </p:style>
-      </p:cxnSp>
-      <p:sp>
-        <p:nvSpPr>
-          <p:cNvPr id="17" name="TextBox 16"/>
-          <p:cNvSpPr txBox="1"/>
-          <p:nvPr/>
-        </p:nvSpPr>
-        <p:spPr>
-          <a:xfrm>
-            <a:off x="5286380" y="1357298"/>
-            <a:ext cx="2492990" cy="276999"/>
-          </a:xfrm>
-          <a:prstGeom prst="rect">
-            <a:avLst/>
-          </a:prstGeom>
-          <a:noFill/>
-        </p:spPr>
-        <p:txBody>
-          <a:bodyPr wrap="none" rtlCol="0">
-            <a:spAutoFit/>
-          </a:bodyPr>
-          <a:lstStyle/>
-          <a:p>
-            <a:r>
-              <a:rPr lang="zh-CN" altLang="en-US" sz="1200" dirty="0" smtClean="0">
-                <a:solidFill>
-                  <a:srgbClr val="FF0000"/>
-                </a:solidFill>
-              </a:rPr>
-              <a:t>备注：什么时候能改成这种排版？</a:t>
-            </a:r>
-            <a:endParaRPr lang="zh-CN" altLang="en-US" sz="1200" dirty="0">
-              <a:solidFill>
-                <a:srgbClr val="FF0000"/>
-              </a:solidFill>
-            </a:endParaRPr>
-          </a:p>
-        </p:txBody>
-      </p:sp>
-    </p:spTree>
-  </p:cSld>
-  <p:clrMapOvr>
-    <a:masterClrMapping/>
-  </p:clrMapOvr>
-</p:sld>
-</file>
-
-<file path=ppt/slides/slide7.xml><?xml version="1.0" encoding="utf-8"?>
-<p:sld xmlns:a="http://schemas.openxmlformats.org/drawingml/2006/main" xmlns:r="http://schemas.openxmlformats.org/officeDocument/2006/relationships" xmlns:p="http://schemas.openxmlformats.org/presentationml/2006/main">
-  <p:cSld>
-    <p:spTree>
-      <p:nvGrpSpPr>
-        <p:cNvPr id="1" name=""/>
-        <p:cNvGrpSpPr/>
-        <p:nvPr/>
-      </p:nvGrpSpPr>
-      <p:grpSpPr>
-        <a:xfrm>
-          <a:off x="0" y="0"/>
-          <a:ext cx="0" cy="0"/>
-          <a:chOff x="0" y="0"/>
-          <a:chExt cx="0" cy="0"/>
-        </a:xfrm>
-      </p:grpSpPr>
-      <p:pic>
-        <p:nvPicPr>
-          <p:cNvPr id="1026" name="Picture 2" descr="C:\Users\Administrator\Desktop\360手机助手截图1112_11_49_01.png"/>
-          <p:cNvPicPr>
-            <a:picLocks noChangeAspect="1" noChangeArrowheads="1"/>
-          </p:cNvPicPr>
-          <p:nvPr/>
-        </p:nvPicPr>
-        <p:blipFill>
-          <a:blip r:embed="rId2" cstate="print"/>
-          <a:srcRect/>
-          <a:stretch>
-            <a:fillRect/>
-          </a:stretch>
-        </p:blipFill>
-        <p:spPr bwMode="auto">
-          <a:xfrm>
-            <a:off x="2643174" y="2000240"/>
-            <a:ext cx="2430000" cy="4320000"/>
-          </a:xfrm>
-          <a:prstGeom prst="rect">
-            <a:avLst/>
-          </a:prstGeom>
-          <a:noFill/>
-        </p:spPr>
-      </p:pic>
-      <p:sp>
-        <p:nvSpPr>
-          <p:cNvPr id="3" name="TextBox 2"/>
-          <p:cNvSpPr txBox="1"/>
-          <p:nvPr/>
-        </p:nvSpPr>
-        <p:spPr>
-          <a:xfrm>
-            <a:off x="341590" y="1214422"/>
-            <a:ext cx="8981946" cy="523220"/>
-          </a:xfrm>
-          <a:prstGeom prst="rect">
-            <a:avLst/>
-          </a:prstGeom>
-          <a:noFill/>
-        </p:spPr>
-        <p:txBody>
-          <a:bodyPr wrap="none" rtlCol="0">
-            <a:spAutoFit/>
-          </a:bodyPr>
-          <a:lstStyle/>
-          <a:p>
-            <a:r>
-              <a:rPr lang="zh-CN" altLang="en-US" sz="1400" dirty="0" smtClean="0">
-                <a:solidFill>
-                  <a:srgbClr val="0070C0"/>
-                </a:solidFill>
-              </a:rPr>
-              <a:t>交互过程中语音和图片都没有即时发过来？这是怎么回事？之前一发老师端立马收到的，现在只收到一条推送，</a:t>
-            </a:r>
-            <a:endParaRPr lang="en-US" altLang="zh-CN" sz="1400" dirty="0" smtClean="0">
-              <a:solidFill>
-                <a:srgbClr val="0070C0"/>
-              </a:solidFill>
-            </a:endParaRPr>
-          </a:p>
-          <a:p>
-            <a:r>
-              <a:rPr lang="zh-CN" altLang="en-US" sz="1400" dirty="0" smtClean="0">
-                <a:solidFill>
-                  <a:srgbClr val="0070C0"/>
-                </a:solidFill>
-              </a:rPr>
-              <a:t>返回消息界面后才有新消息，</a:t>
-            </a:r>
-            <a:r>
-              <a:rPr lang="zh-CN" altLang="en-US" sz="1400" b="1" dirty="0" smtClean="0">
-                <a:solidFill>
-                  <a:srgbClr val="FF0000"/>
-                </a:solidFill>
-              </a:rPr>
-              <a:t>在这个界面不是及时可以收到图片或语音的吗</a:t>
-            </a:r>
-            <a:r>
-              <a:rPr lang="zh-CN" altLang="en-US" sz="1400" dirty="0" smtClean="0">
-                <a:solidFill>
-                  <a:srgbClr val="0070C0"/>
-                </a:solidFill>
-              </a:rPr>
-              <a:t>？</a:t>
-            </a:r>
-            <a:endParaRPr lang="en-US" altLang="zh-CN" sz="1400" dirty="0" smtClean="0">
-              <a:solidFill>
-                <a:srgbClr val="0070C0"/>
-              </a:solidFill>
-            </a:endParaRPr>
-          </a:p>
-        </p:txBody>
-      </p:sp>
-      <p:cxnSp>
-        <p:nvCxnSpPr>
-          <p:cNvPr id="5" name="直接箭头连接符 4"/>
-          <p:cNvCxnSpPr/>
-          <p:nvPr/>
-        </p:nvCxnSpPr>
-        <p:spPr>
-          <a:xfrm rot="5400000">
-            <a:off x="2143108" y="2786058"/>
-            <a:ext cx="2214578" cy="71438"/>
-          </a:xfrm>
-          <a:prstGeom prst="straightConnector1">
-            <a:avLst/>
-          </a:prstGeom>
-          <a:ln>
-            <a:solidFill>
-              <a:srgbClr val="FF0000"/>
-            </a:solidFill>
-            <a:tailEnd type="arrow"/>
-          </a:ln>
-        </p:spPr>
-        <p:style>
-          <a:lnRef idx="1">
-            <a:schemeClr val="accent1"/>
-          </a:lnRef>
-          <a:fillRef idx="0">
-            <a:schemeClr val="accent1"/>
-          </a:fillRef>
-          <a:effectRef idx="0">
-            <a:schemeClr val="accent1"/>
-          </a:effectRef>
-          <a:fontRef idx="minor">
-            <a:schemeClr val="tx1"/>
-          </a:fontRef>
-        </p:style>
-      </p:cxnSp>
-    </p:spTree>
-  </p:cSld>
-  <p:clrMapOvr>
-    <a:masterClrMapping/>
-  </p:clrMapOvr>
-</p:sld>
-</file>
-
-<file path=ppt/slides/slide8.xml><?xml version="1.0" encoding="utf-8"?>
-<p:sld xmlns:a="http://schemas.openxmlformats.org/drawingml/2006/main" xmlns:r="http://schemas.openxmlformats.org/officeDocument/2006/relationships" xmlns:p="http://schemas.openxmlformats.org/presentationml/2006/main">
-  <p:cSld>
-    <p:spTree>
-      <p:nvGrpSpPr>
-        <p:cNvPr id="1" name=""/>
-        <p:cNvGrpSpPr/>
-        <p:nvPr/>
-      </p:nvGrpSpPr>
-      <p:grpSpPr>
-        <a:xfrm>
-          <a:off x="0" y="0"/>
-          <a:ext cx="0" cy="0"/>
-          <a:chOff x="0" y="0"/>
-          <a:chExt cx="0" cy="0"/>
-        </a:xfrm>
-      </p:grpSpPr>
-      <p:pic>
-        <p:nvPicPr>
-          <p:cNvPr id="1026" name="Picture 2" descr="C:\Users\Administrator\Desktop\360手机助手截图1112_10_22_01.png"/>
-          <p:cNvPicPr>
-            <a:picLocks noChangeAspect="1" noChangeArrowheads="1"/>
-          </p:cNvPicPr>
-          <p:nvPr/>
-        </p:nvPicPr>
-        <p:blipFill>
-          <a:blip r:embed="rId2" cstate="print"/>
-          <a:srcRect/>
-          <a:stretch>
-            <a:fillRect/>
-          </a:stretch>
-        </p:blipFill>
-        <p:spPr bwMode="auto">
-          <a:xfrm>
-            <a:off x="714348" y="1928802"/>
-            <a:ext cx="2430000" cy="4320000"/>
-          </a:xfrm>
-          <a:prstGeom prst="rect">
-            <a:avLst/>
-          </a:prstGeom>
-          <a:noFill/>
-        </p:spPr>
-      </p:pic>
-      <p:pic>
-        <p:nvPicPr>
-          <p:cNvPr id="1027" name="Picture 3" descr="C:\Users\Administrator\Desktop\360手机助手截图1112_10_23_01.png"/>
-          <p:cNvPicPr>
-            <a:picLocks noChangeAspect="1" noChangeArrowheads="1"/>
-          </p:cNvPicPr>
-          <p:nvPr/>
-        </p:nvPicPr>
-        <p:blipFill>
-          <a:blip r:embed="rId3" cstate="print"/>
-          <a:srcRect/>
-          <a:stretch>
-            <a:fillRect/>
-          </a:stretch>
-        </p:blipFill>
-        <p:spPr bwMode="auto">
-          <a:xfrm>
-            <a:off x="3428992" y="2000240"/>
-            <a:ext cx="2430000" cy="4320000"/>
-          </a:xfrm>
-          <a:prstGeom prst="rect">
-            <a:avLst/>
-          </a:prstGeom>
-          <a:noFill/>
-        </p:spPr>
-      </p:pic>
-      <p:pic>
-        <p:nvPicPr>
-          <p:cNvPr id="1028" name="Picture 4" descr="C:\Users\Administrator\Desktop\360手机助手截图1112_10_23_02.png"/>
-          <p:cNvPicPr>
-            <a:picLocks noChangeAspect="1" noChangeArrowheads="1"/>
-          </p:cNvPicPr>
-          <p:nvPr/>
-        </p:nvPicPr>
-        <p:blipFill>
-          <a:blip r:embed="rId4" cstate="print"/>
-          <a:srcRect/>
-          <a:stretch>
-            <a:fillRect/>
-          </a:stretch>
-        </p:blipFill>
-        <p:spPr bwMode="auto">
-          <a:xfrm>
-            <a:off x="6143636" y="2000240"/>
-            <a:ext cx="2430000" cy="4320000"/>
-          </a:xfrm>
-          <a:prstGeom prst="rect">
-            <a:avLst/>
-          </a:prstGeom>
-          <a:noFill/>
-        </p:spPr>
-      </p:pic>
-      <p:sp>
-        <p:nvSpPr>
-          <p:cNvPr id="6" name="TextBox 5"/>
-          <p:cNvSpPr txBox="1"/>
-          <p:nvPr/>
-        </p:nvSpPr>
-        <p:spPr>
-          <a:xfrm>
-            <a:off x="500034" y="428604"/>
-            <a:ext cx="5211683" cy="307777"/>
-          </a:xfrm>
-          <a:prstGeom prst="rect">
-            <a:avLst/>
-          </a:prstGeom>
-          <a:noFill/>
-        </p:spPr>
-        <p:txBody>
-          <a:bodyPr wrap="none" rtlCol="0">
-            <a:spAutoFit/>
-          </a:bodyPr>
-          <a:lstStyle/>
-          <a:p>
-            <a:r>
-              <a:rPr lang="zh-CN" altLang="en-US" sz="1400" dirty="0" smtClean="0">
-                <a:solidFill>
-                  <a:srgbClr val="FF0000"/>
-                </a:solidFill>
-              </a:rPr>
-              <a:t>当老师获得赞后，抽屉中赞美数没刷新，学生关注的数量也不对</a:t>
-            </a:r>
-            <a:endParaRPr lang="en-US" altLang="zh-CN" sz="1400" dirty="0" smtClean="0">
-              <a:solidFill>
-                <a:srgbClr val="FF0000"/>
-              </a:solidFill>
-            </a:endParaRPr>
-          </a:p>
-        </p:txBody>
-      </p:sp>
-      <p:cxnSp>
-        <p:nvCxnSpPr>
-          <p:cNvPr id="8" name="直接箭头连接符 7"/>
-          <p:cNvCxnSpPr/>
-          <p:nvPr/>
-        </p:nvCxnSpPr>
-        <p:spPr>
-          <a:xfrm rot="16200000" flipH="1">
-            <a:off x="4572000" y="857232"/>
-            <a:ext cx="1714512" cy="1428760"/>
-          </a:xfrm>
-          <a:prstGeom prst="straightConnector1">
-            <a:avLst/>
-          </a:prstGeom>
-          <a:ln>
-            <a:solidFill>
-              <a:srgbClr val="FF0000"/>
-            </a:solidFill>
-            <a:tailEnd type="arrow"/>
-          </a:ln>
-        </p:spPr>
-        <p:style>
-          <a:lnRef idx="1">
-            <a:schemeClr val="accent1"/>
-          </a:lnRef>
-          <a:fillRef idx="0">
-            <a:schemeClr val="accent1"/>
-          </a:fillRef>
-          <a:effectRef idx="0">
-            <a:schemeClr val="accent1"/>
-          </a:effectRef>
-          <a:fontRef idx="minor">
-            <a:schemeClr val="tx1"/>
-          </a:fontRef>
-        </p:style>
-      </p:cxnSp>
-      <p:sp>
-        <p:nvSpPr>
-          <p:cNvPr id="10" name="矩形 9"/>
-          <p:cNvSpPr/>
-          <p:nvPr/>
-        </p:nvSpPr>
-        <p:spPr>
-          <a:xfrm>
-            <a:off x="4214810" y="2928934"/>
-            <a:ext cx="1000132" cy="428628"/>
-          </a:xfrm>
-          <a:prstGeom prst="rect">
-            <a:avLst/>
-          </a:prstGeom>
-          <a:noFill/>
-          <a:ln>
-            <a:solidFill>
-              <a:srgbClr val="FF0000"/>
-            </a:solidFill>
-          </a:ln>
-        </p:spPr>
-        <p:style>
-          <a:lnRef idx="2">
-            <a:schemeClr val="accent1">
-              <a:shade val="50000"/>
-            </a:schemeClr>
-          </a:lnRef>
-          <a:fillRef idx="1">
-            <a:schemeClr val="accent1"/>
-          </a:fillRef>
-          <a:effectRef idx="0">
-            <a:schemeClr val="accent1"/>
-          </a:effectRef>
-          <a:fontRef idx="minor">
-            <a:schemeClr val="lt1"/>
-          </a:fontRef>
-        </p:style>
-        <p:txBody>
-          <a:bodyPr rtlCol="0" anchor="ctr"/>
-          <a:lstStyle/>
-          <a:p>
-            <a:pPr algn="ctr"/>
-            <a:endParaRPr lang="zh-CN" altLang="en-US"/>
-          </a:p>
-        </p:txBody>
-      </p:sp>
-      <p:cxnSp>
-        <p:nvCxnSpPr>
-          <p:cNvPr id="12" name="直接箭头连接符 11"/>
-          <p:cNvCxnSpPr/>
-          <p:nvPr/>
-        </p:nvCxnSpPr>
-        <p:spPr>
-          <a:xfrm rot="5400000">
-            <a:off x="1107257" y="1321579"/>
-            <a:ext cx="1785950" cy="714380"/>
-          </a:xfrm>
-          <a:prstGeom prst="straightConnector1">
-            <a:avLst/>
-          </a:prstGeom>
-          <a:ln>
-            <a:solidFill>
-              <a:srgbClr val="FF0000"/>
-            </a:solidFill>
-            <a:tailEnd type="arrow"/>
-          </a:ln>
-        </p:spPr>
-        <p:style>
-          <a:lnRef idx="1">
-            <a:schemeClr val="accent1"/>
-          </a:lnRef>
-          <a:fillRef idx="0">
-            <a:schemeClr val="accent1"/>
-          </a:fillRef>
-          <a:effectRef idx="0">
-            <a:schemeClr val="accent1"/>
-          </a:effectRef>
-          <a:fontRef idx="minor">
-            <a:schemeClr val="tx1"/>
-          </a:fontRef>
-        </p:style>
-      </p:cxnSp>
     </p:spTree>
   </p:cSld>
   <p:clrMapOvr>
